--- a/Project3/Project 3 Presentation, group 3.pptx
+++ b/Project3/Project 3 Presentation, group 3.pptx
@@ -1234,10 +1234,16 @@
         <a:lstStyle/>
         <a:p>
           <a:r>
+            <a:rPr lang="en-US" sz="1400">
+              <a:latin typeface="Average" panose="020B0604020202020204" charset="0"/>
+            </a:rPr>
+            <a:t>Load dataset </a:t>
+          </a:r>
+          <a:r>
             <a:rPr lang="en-US" sz="1400" dirty="0">
               <a:latin typeface="Average" panose="020B0604020202020204" charset="0"/>
             </a:rPr>
-            <a:t>Load datasets from the source into R</a:t>
+            <a:t>from the source into R</a:t>
           </a:r>
         </a:p>
       </dgm:t>
@@ -1811,10 +1817,16 @@
             <a:buNone/>
           </a:pPr>
           <a:r>
+            <a:rPr lang="en-US" sz="1400" kern="1200">
+              <a:latin typeface="Average" panose="020B0604020202020204" charset="0"/>
+            </a:rPr>
+            <a:t>Load dataset </a:t>
+          </a:r>
+          <a:r>
             <a:rPr lang="en-US" sz="1400" kern="1200" dirty="0">
               <a:latin typeface="Average" panose="020B0604020202020204" charset="0"/>
             </a:rPr>
-            <a:t>Load datasets from the source into R</a:t>
+            <a:t>from the source into R</a:t>
           </a:r>
         </a:p>
       </dsp:txBody>
@@ -14505,7 +14517,7 @@
               <a:buAutoNum type="arabicParenR"/>
             </a:pPr>
             <a:r>
-              <a:rPr lang="nn-NO"/>
+              <a:rPr lang="nn-NO" dirty="0"/>
               <a:t>Rpubs https://rpubs.com/exprmcg/960712</a:t>
             </a:r>
             <a:endParaRPr dirty="0"/>
@@ -15644,7 +15656,7 @@
           <p:nvPr>
             <p:extLst>
               <p:ext uri="{D42A27DB-BD31-4B8C-83A1-F6EECF244321}">
-                <p14:modId xmlns:p14="http://schemas.microsoft.com/office/powerpoint/2010/main" val="2018341372"/>
+                <p14:modId xmlns:p14="http://schemas.microsoft.com/office/powerpoint/2010/main" val="3289247639"/>
               </p:ext>
             </p:extLst>
           </p:nvPr>

--- a/Project3/Project 3 Presentation, group 3.pptx
+++ b/Project3/Project 3 Presentation, group 3.pptx
@@ -1234,16 +1234,10 @@
         <a:lstStyle/>
         <a:p>
           <a:r>
-            <a:rPr lang="en-US" sz="1400">
-              <a:latin typeface="Average" panose="020B0604020202020204" charset="0"/>
-            </a:rPr>
-            <a:t>Load dataset </a:t>
-          </a:r>
-          <a:r>
             <a:rPr lang="en-US" sz="1400" dirty="0">
               <a:latin typeface="Average" panose="020B0604020202020204" charset="0"/>
             </a:rPr>
-            <a:t>from the source into R</a:t>
+            <a:t>Load dataset from the source into R</a:t>
           </a:r>
         </a:p>
       </dgm:t>
@@ -1817,16 +1811,10 @@
             <a:buNone/>
           </a:pPr>
           <a:r>
-            <a:rPr lang="en-US" sz="1400" kern="1200">
-              <a:latin typeface="Average" panose="020B0604020202020204" charset="0"/>
-            </a:rPr>
-            <a:t>Load dataset </a:t>
-          </a:r>
-          <a:r>
             <a:rPr lang="en-US" sz="1400" kern="1200" dirty="0">
               <a:latin typeface="Average" panose="020B0604020202020204" charset="0"/>
             </a:rPr>
-            <a:t>from the source into R</a:t>
+            <a:t>Load dataset from the source into R</a:t>
           </a:r>
         </a:p>
       </dsp:txBody>
@@ -16347,7 +16335,7 @@
                 </a:solidFill>
                 <a:latin typeface="Average" panose="020B0604020202020204" charset="0"/>
               </a:rPr>
-              <a:t>Manually</a:t>
+              <a:t>Manually (3 tables)</a:t>
             </a:r>
           </a:p>
           <a:p>
@@ -16391,8 +16379,29 @@
                 </a:solidFill>
                 <a:latin typeface="Average" panose="020B0604020202020204" charset="0"/>
               </a:rPr>
-              <a:t>Based on the ID</a:t>
+              <a:t>Based on the ID, </a:t>
             </a:r>
+            <a:r>
+              <a:rPr lang="en-US" sz="1400">
+                <a:solidFill>
+                  <a:schemeClr val="accent3">
+                    <a:lumMod val="20000"/>
+                    <a:lumOff val="80000"/>
+                  </a:schemeClr>
+                </a:solidFill>
+                <a:latin typeface="Average" panose="020B0604020202020204" charset="0"/>
+              </a:rPr>
+              <a:t>code name (10 tables)</a:t>
+            </a:r>
+            <a:endParaRPr lang="en-US" sz="1400" dirty="0">
+              <a:solidFill>
+                <a:schemeClr val="accent3">
+                  <a:lumMod val="20000"/>
+                  <a:lumOff val="80000"/>
+                </a:schemeClr>
+              </a:solidFill>
+              <a:latin typeface="Average" panose="020B0604020202020204" charset="0"/>
+            </a:endParaRPr>
           </a:p>
           <a:p>
             <a:pPr marL="742950" lvl="0" indent="-285750" algn="l" rtl="0">

--- a/Project3/Project 3 Presentation, group 3.pptx
+++ b/Project3/Project 3 Presentation, group 3.pptx
@@ -16149,70 +16149,6 @@
           </a:prstGeom>
         </p:spPr>
       </p:pic>
-      <p:sp>
-        <p:nvSpPr>
-          <p:cNvPr id="10" name="직사각형 1">
-            <a:extLst>
-              <a:ext uri="{FF2B5EF4-FFF2-40B4-BE49-F238E27FC236}">
-                <a16:creationId xmlns:a16="http://schemas.microsoft.com/office/drawing/2014/main" id="{C07944D2-47F6-4516-4AC2-0406AFABD165}"/>
-              </a:ext>
-            </a:extLst>
-          </p:cNvPr>
-          <p:cNvSpPr/>
-          <p:nvPr/>
-        </p:nvSpPr>
-        <p:spPr>
-          <a:xfrm>
-            <a:off x="2302115" y="3432825"/>
-            <a:ext cx="6754573" cy="2766931"/>
-          </a:xfrm>
-          <a:prstGeom prst="rect">
-            <a:avLst/>
-          </a:prstGeom>
-          <a:noFill/>
-          <a:ln w="6350">
-            <a:solidFill>
-              <a:schemeClr val="bg1">
-                <a:lumMod val="50000"/>
-              </a:schemeClr>
-            </a:solidFill>
-          </a:ln>
-        </p:spPr>
-        <p:style>
-          <a:lnRef idx="2">
-            <a:schemeClr val="accent1">
-              <a:shade val="50000"/>
-            </a:schemeClr>
-          </a:lnRef>
-          <a:fillRef idx="1">
-            <a:schemeClr val="accent1"/>
-          </a:fillRef>
-          <a:effectRef idx="0">
-            <a:schemeClr val="accent1"/>
-          </a:effectRef>
-          <a:fontRef idx="minor">
-            <a:schemeClr val="lt1"/>
-          </a:fontRef>
-        </p:style>
-        <p:txBody>
-          <a:bodyPr rot="0" spcFirstLastPara="0" vertOverflow="overflow" horzOverflow="overflow" vert="horz" wrap="square" lIns="91440" tIns="45720" rIns="91440" bIns="45720" numCol="1" spcCol="0" rtlCol="0" fromWordArt="0" anchor="ctr" anchorCtr="0" forceAA="0" compatLnSpc="1">
-            <a:prstTxWarp prst="textNoShape">
-              <a:avLst/>
-            </a:prstTxWarp>
-            <a:noAutofit/>
-          </a:bodyPr>
-          <a:lstStyle/>
-          <a:p>
-            <a:pPr algn="ctr"/>
-            <a:endParaRPr lang="en-US" sz="1000" dirty="0">
-              <a:solidFill>
-                <a:schemeClr val="tx1"/>
-              </a:solidFill>
-              <a:latin typeface="+mn-ea"/>
-            </a:endParaRPr>
-          </a:p>
-        </p:txBody>
-      </p:sp>
     </p:spTree>
     <p:extLst>
       <p:ext uri="{BB962C8B-B14F-4D97-AF65-F5344CB8AC3E}">
@@ -16379,29 +16315,8 @@
                 </a:solidFill>
                 <a:latin typeface="Average" panose="020B0604020202020204" charset="0"/>
               </a:rPr>
-              <a:t>Based on the ID, </a:t>
+              <a:t>Based on the ID, code name (10 tables)</a:t>
             </a:r>
-            <a:r>
-              <a:rPr lang="en-US" sz="1400">
-                <a:solidFill>
-                  <a:schemeClr val="accent3">
-                    <a:lumMod val="20000"/>
-                    <a:lumOff val="80000"/>
-                  </a:schemeClr>
-                </a:solidFill>
-                <a:latin typeface="Average" panose="020B0604020202020204" charset="0"/>
-              </a:rPr>
-              <a:t>code name (10 tables)</a:t>
-            </a:r>
-            <a:endParaRPr lang="en-US" sz="1400" dirty="0">
-              <a:solidFill>
-                <a:schemeClr val="accent3">
-                  <a:lumMod val="20000"/>
-                  <a:lumOff val="80000"/>
-                </a:schemeClr>
-              </a:solidFill>
-              <a:latin typeface="Average" panose="020B0604020202020204" charset="0"/>
-            </a:endParaRPr>
           </a:p>
           <a:p>
             <a:pPr marL="742950" lvl="0" indent="-285750" algn="l" rtl="0">

--- a/Project3/Project 3 Presentation, group 3.pptx
+++ b/Project3/Project 3 Presentation, group 3.pptx
@@ -12337,36 +12337,6 @@
           </a:p>
         </p:txBody>
       </p:sp>
-      <p:pic>
-        <p:nvPicPr>
-          <p:cNvPr id="3" name="Picture 2">
-            <a:extLst>
-              <a:ext uri="{FF2B5EF4-FFF2-40B4-BE49-F238E27FC236}">
-                <a16:creationId xmlns:a16="http://schemas.microsoft.com/office/drawing/2014/main" id="{31491B50-2311-9132-5E50-2A21AEE26F94}"/>
-              </a:ext>
-            </a:extLst>
-          </p:cNvPr>
-          <p:cNvPicPr>
-            <a:picLocks noChangeAspect="1"/>
-          </p:cNvPicPr>
-          <p:nvPr/>
-        </p:nvPicPr>
-        <p:blipFill>
-          <a:blip r:embed="rId3"/>
-          <a:stretch>
-            <a:fillRect/>
-          </a:stretch>
-        </p:blipFill>
-        <p:spPr>
-          <a:xfrm>
-            <a:off x="1573321" y="863550"/>
-            <a:ext cx="5705589" cy="3746550"/>
-          </a:xfrm>
-          <a:prstGeom prst="rect">
-            <a:avLst/>
-          </a:prstGeom>
-        </p:spPr>
-      </p:pic>
       <p:sp>
         <p:nvSpPr>
           <p:cNvPr id="6" name="Title 5">
@@ -12685,6 +12655,36 @@
           </a:p>
         </p:txBody>
       </p:sp>
+      <p:pic>
+        <p:nvPicPr>
+          <p:cNvPr id="9" name="Picture 8">
+            <a:extLst>
+              <a:ext uri="{FF2B5EF4-FFF2-40B4-BE49-F238E27FC236}">
+                <a16:creationId xmlns:a16="http://schemas.microsoft.com/office/drawing/2014/main" id="{361C1276-51A2-74D8-AF97-42E48BE9DAED}"/>
+              </a:ext>
+            </a:extLst>
+          </p:cNvPr>
+          <p:cNvPicPr>
+            <a:picLocks noChangeAspect="1"/>
+          </p:cNvPicPr>
+          <p:nvPr/>
+        </p:nvPicPr>
+        <p:blipFill>
+          <a:blip r:embed="rId3"/>
+          <a:stretch>
+            <a:fillRect/>
+          </a:stretch>
+        </p:blipFill>
+        <p:spPr>
+          <a:xfrm>
+            <a:off x="1439908" y="863550"/>
+            <a:ext cx="6264183" cy="4168501"/>
+          </a:xfrm>
+          <a:prstGeom prst="rect">
+            <a:avLst/>
+          </a:prstGeom>
+        </p:spPr>
+      </p:pic>
     </p:spTree>
     <p:extLst>
       <p:ext uri="{BB962C8B-B14F-4D97-AF65-F5344CB8AC3E}">
